--- a/2024-2025/Научное программирование/labs/lab01/pres01/pres01.pptx
+++ b/2024-2025/Научное программирование/labs/lab01/pres01/pres01.pptx
@@ -4412,8 +4412,8 @@
         </p:nvSpPr>
         <p:spPr bwMode="auto">
           <a:xfrm>
-            <a:off x="538898" y="288909"/>
-            <a:ext cx="11137241" cy="6219803"/>
+            <a:off x="538897" y="288909"/>
+            <a:ext cx="11142280" cy="6219752"/>
           </a:xfrm>
           <a:prstGeom prst="rect">
             <a:avLst/>
@@ -4666,7 +4666,7 @@
                 <a:ea typeface="Times New Roman"/>
                 <a:cs typeface="Cordia New"/>
               </a:rPr>
-              <a:t>НПМбм-02-24</a:t>
+              <a:t>НПМмд-02-24</a:t>
             </a:r>
             <a:endParaRPr lang="ru-RU" sz="1600">
               <a:latin typeface="Calibri"/>
